--- a/BME280 image files and link/BME 280 Sensor (Presentation).pptx
+++ b/BME280 image files and link/BME 280 Sensor (Presentation).pptx
@@ -113,6 +113,11 @@
       </a:defRPr>
     </a:lvl9pPr>
   </p:defaultTextStyle>
+  <p:extLst>
+    <p:ext uri="{EFAFB233-063F-42B5-8137-9DF3F51BA10A}">
+      <p15:sldGuideLst xmlns:p15="http://schemas.microsoft.com/office/powerpoint/2012/main"/>
+    </p:ext>
+  </p:extLst>
 </p:presentation>
 </file>
 
@@ -265,7 +270,7 @@
           <a:p>
             <a:fld id="{C7D4E2EF-7E28-41A7-A9D3-6EAB715023E3}" type="datetimeFigureOut">
               <a:rPr lang="en-GB" smtClean="0"/>
-              <a:t>26/11/2018</a:t>
+              <a:t>27/11/2018</a:t>
             </a:fld>
             <a:endParaRPr lang="en-GB"/>
           </a:p>
@@ -465,7 +470,7 @@
           <a:p>
             <a:fld id="{C7D4E2EF-7E28-41A7-A9D3-6EAB715023E3}" type="datetimeFigureOut">
               <a:rPr lang="en-GB" smtClean="0"/>
-              <a:t>26/11/2018</a:t>
+              <a:t>27/11/2018</a:t>
             </a:fld>
             <a:endParaRPr lang="en-GB"/>
           </a:p>
@@ -675,7 +680,7 @@
           <a:p>
             <a:fld id="{C7D4E2EF-7E28-41A7-A9D3-6EAB715023E3}" type="datetimeFigureOut">
               <a:rPr lang="en-GB" smtClean="0"/>
-              <a:t>26/11/2018</a:t>
+              <a:t>27/11/2018</a:t>
             </a:fld>
             <a:endParaRPr lang="en-GB"/>
           </a:p>
@@ -875,7 +880,7 @@
           <a:p>
             <a:fld id="{C7D4E2EF-7E28-41A7-A9D3-6EAB715023E3}" type="datetimeFigureOut">
               <a:rPr lang="en-GB" smtClean="0"/>
-              <a:t>26/11/2018</a:t>
+              <a:t>27/11/2018</a:t>
             </a:fld>
             <a:endParaRPr lang="en-GB"/>
           </a:p>
@@ -1151,7 +1156,7 @@
           <a:p>
             <a:fld id="{C7D4E2EF-7E28-41A7-A9D3-6EAB715023E3}" type="datetimeFigureOut">
               <a:rPr lang="en-GB" smtClean="0"/>
-              <a:t>26/11/2018</a:t>
+              <a:t>27/11/2018</a:t>
             </a:fld>
             <a:endParaRPr lang="en-GB"/>
           </a:p>
@@ -1419,7 +1424,7 @@
           <a:p>
             <a:fld id="{C7D4E2EF-7E28-41A7-A9D3-6EAB715023E3}" type="datetimeFigureOut">
               <a:rPr lang="en-GB" smtClean="0"/>
-              <a:t>26/11/2018</a:t>
+              <a:t>27/11/2018</a:t>
             </a:fld>
             <a:endParaRPr lang="en-GB"/>
           </a:p>
@@ -1834,7 +1839,7 @@
           <a:p>
             <a:fld id="{C7D4E2EF-7E28-41A7-A9D3-6EAB715023E3}" type="datetimeFigureOut">
               <a:rPr lang="en-GB" smtClean="0"/>
-              <a:t>26/11/2018</a:t>
+              <a:t>27/11/2018</a:t>
             </a:fld>
             <a:endParaRPr lang="en-GB"/>
           </a:p>
@@ -1976,7 +1981,7 @@
           <a:p>
             <a:fld id="{C7D4E2EF-7E28-41A7-A9D3-6EAB715023E3}" type="datetimeFigureOut">
               <a:rPr lang="en-GB" smtClean="0"/>
-              <a:t>26/11/2018</a:t>
+              <a:t>27/11/2018</a:t>
             </a:fld>
             <a:endParaRPr lang="en-GB"/>
           </a:p>
@@ -2089,7 +2094,7 @@
           <a:p>
             <a:fld id="{C7D4E2EF-7E28-41A7-A9D3-6EAB715023E3}" type="datetimeFigureOut">
               <a:rPr lang="en-GB" smtClean="0"/>
-              <a:t>26/11/2018</a:t>
+              <a:t>27/11/2018</a:t>
             </a:fld>
             <a:endParaRPr lang="en-GB"/>
           </a:p>
@@ -2402,7 +2407,7 @@
           <a:p>
             <a:fld id="{C7D4E2EF-7E28-41A7-A9D3-6EAB715023E3}" type="datetimeFigureOut">
               <a:rPr lang="en-GB" smtClean="0"/>
-              <a:t>26/11/2018</a:t>
+              <a:t>27/11/2018</a:t>
             </a:fld>
             <a:endParaRPr lang="en-GB"/>
           </a:p>
@@ -2691,7 +2696,7 @@
           <a:p>
             <a:fld id="{C7D4E2EF-7E28-41A7-A9D3-6EAB715023E3}" type="datetimeFigureOut">
               <a:rPr lang="en-GB" smtClean="0"/>
-              <a:t>26/11/2018</a:t>
+              <a:t>27/11/2018</a:t>
             </a:fld>
             <a:endParaRPr lang="en-GB"/>
           </a:p>
@@ -2934,7 +2939,7 @@
           <a:p>
             <a:fld id="{C7D4E2EF-7E28-41A7-A9D3-6EAB715023E3}" type="datetimeFigureOut">
               <a:rPr lang="en-GB" smtClean="0"/>
-              <a:t>26/11/2018</a:t>
+              <a:t>27/11/2018</a:t>
             </a:fld>
             <a:endParaRPr lang="en-GB"/>
           </a:p>
@@ -4165,10 +4170,10 @@
       </p:sp>
       <p:pic>
         <p:nvPicPr>
-          <p:cNvPr id="11" name="Picture 10">
-            <a:extLst>
-              <a:ext uri="{FF2B5EF4-FFF2-40B4-BE49-F238E27FC236}">
-                <a16:creationId xmlns:a16="http://schemas.microsoft.com/office/drawing/2014/main" id="{504C1361-E63C-419B-A19E-FD327B1BEE8F}"/>
+          <p:cNvPr id="5" name="Picture 4">
+            <a:extLst>
+              <a:ext uri="{FF2B5EF4-FFF2-40B4-BE49-F238E27FC236}">
+                <a16:creationId xmlns:a16="http://schemas.microsoft.com/office/drawing/2014/main" id="{E3430E3E-8DF4-45F8-959A-ABCE17B51B22}"/>
               </a:ext>
             </a:extLst>
           </p:cNvPr>
@@ -4191,8 +4196,8 @@
         </p:blipFill>
         <p:spPr>
           <a:xfrm>
-            <a:off x="329002" y="1757361"/>
-            <a:ext cx="7739235" cy="4994910"/>
+            <a:off x="1741714" y="1761990"/>
+            <a:ext cx="5660571" cy="4245428"/>
           </a:xfrm>
           <a:prstGeom prst="rect">
             <a:avLst/>

--- a/BME280 image files and link/BME 280 Sensor (Presentation).pptx
+++ b/BME280 image files and link/BME 280 Sensor (Presentation).pptx
@@ -13,8 +13,7 @@
     <p:sldId id="261" r:id="rId7"/>
     <p:sldId id="263" r:id="rId8"/>
     <p:sldId id="264" r:id="rId9"/>
-    <p:sldId id="265" r:id="rId10"/>
-    <p:sldId id="266" r:id="rId11"/>
+    <p:sldId id="266" r:id="rId10"/>
   </p:sldIdLst>
   <p:sldSz cx="12192000" cy="6858000"/>
   <p:notesSz cx="6858000" cy="9144000"/>
@@ -3441,97 +3440,6 @@
 </p:sld>
 </file>
 
-<file path=ppt/slides/slide10.xml><?xml version="1.0" encoding="utf-8"?>
-<p:sld xmlns:a="http://schemas.openxmlformats.org/drawingml/2006/main" xmlns:r="http://schemas.openxmlformats.org/officeDocument/2006/relationships" xmlns:p="http://schemas.openxmlformats.org/presentationml/2006/main">
-  <p:cSld>
-    <p:bg>
-      <p:bgPr>
-        <a:blipFill dpi="0" rotWithShape="1">
-          <a:blip r:embed="rId2">
-            <a:alphaModFix amt="60000"/>
-            <a:lum/>
-          </a:blip>
-          <a:srcRect/>
-          <a:stretch>
-            <a:fillRect t="-18000" b="-18000"/>
-          </a:stretch>
-        </a:blipFill>
-        <a:effectLst/>
-      </p:bgPr>
-    </p:bg>
-    <p:spTree>
-      <p:nvGrpSpPr>
-        <p:cNvPr id="1" name=""/>
-        <p:cNvGrpSpPr/>
-        <p:nvPr/>
-      </p:nvGrpSpPr>
-      <p:grpSpPr>
-        <a:xfrm>
-          <a:off x="0" y="0"/>
-          <a:ext cx="0" cy="0"/>
-          <a:chOff x="0" y="0"/>
-          <a:chExt cx="0" cy="0"/>
-        </a:xfrm>
-      </p:grpSpPr>
-      <p:sp>
-        <p:nvSpPr>
-          <p:cNvPr id="5" name="Text Placeholder 4">
-            <a:extLst>
-              <a:ext uri="{FF2B5EF4-FFF2-40B4-BE49-F238E27FC236}">
-                <a16:creationId xmlns:a16="http://schemas.microsoft.com/office/drawing/2014/main" id="{96A40335-4390-4725-B925-4071B82192D7}"/>
-              </a:ext>
-            </a:extLst>
-          </p:cNvPr>
-          <p:cNvSpPr>
-            <a:spLocks noGrp="1"/>
-          </p:cNvSpPr>
-          <p:nvPr>
-            <p:ph type="body" idx="1"/>
-          </p:nvPr>
-        </p:nvSpPr>
-        <p:spPr>
-          <a:xfrm>
-            <a:off x="397510" y="1160463"/>
-            <a:ext cx="10515600" cy="3148647"/>
-          </a:xfrm>
-        </p:spPr>
-        <p:txBody>
-          <a:bodyPr>
-            <a:normAutofit/>
-          </a:bodyPr>
-          <a:lstStyle/>
-          <a:p>
-            <a:r>
-              <a:rPr lang="en-US" sz="3200" dirty="0">
-                <a:solidFill>
-                  <a:srgbClr val="FFFF00"/>
-                </a:solidFill>
-                <a:latin typeface="Comic Sans MS" panose="030F0702030302020204" pitchFamily="66" charset="0"/>
-              </a:rPr>
-              <a:t>See Y’LL IN COMPUTER SYSTEMS PROJECT </a:t>
-            </a:r>
-            <a:endParaRPr lang="en-GB" sz="3200" dirty="0">
-              <a:solidFill>
-                <a:srgbClr val="FFFF00"/>
-              </a:solidFill>
-              <a:latin typeface="Comic Sans MS" panose="030F0702030302020204" pitchFamily="66" charset="0"/>
-            </a:endParaRPr>
-          </a:p>
-        </p:txBody>
-      </p:sp>
-    </p:spTree>
-    <p:extLst>
-      <p:ext uri="{BB962C8B-B14F-4D97-AF65-F5344CB8AC3E}">
-        <p14:creationId xmlns:p14="http://schemas.microsoft.com/office/powerpoint/2010/main" val="3885939475"/>
-      </p:ext>
-    </p:extLst>
-  </p:cSld>
-  <p:clrMapOvr>
-    <a:masterClrMapping/>
-  </p:clrMapOvr>
-</p:sld>
-</file>
-
 <file path=ppt/slides/slide2.xml><?xml version="1.0" encoding="utf-8"?>
 <p:sld xmlns:a="http://schemas.openxmlformats.org/drawingml/2006/main" xmlns:r="http://schemas.openxmlformats.org/officeDocument/2006/relationships" xmlns:p="http://schemas.openxmlformats.org/presentationml/2006/main">
   <p:cSld>
@@ -4595,6 +4503,21 @@
 <file path=ppt/slides/slide9.xml><?xml version="1.0" encoding="utf-8"?>
 <p:sld xmlns:a="http://schemas.openxmlformats.org/drawingml/2006/main" xmlns:r="http://schemas.openxmlformats.org/officeDocument/2006/relationships" xmlns:p="http://schemas.openxmlformats.org/presentationml/2006/main">
   <p:cSld>
+    <p:bg>
+      <p:bgPr>
+        <a:blipFill dpi="0" rotWithShape="1">
+          <a:blip r:embed="rId2">
+            <a:alphaModFix amt="60000"/>
+            <a:lum/>
+          </a:blip>
+          <a:srcRect/>
+          <a:stretch>
+            <a:fillRect t="-18000" b="-18000"/>
+          </a:stretch>
+        </a:blipFill>
+        <a:effectLst/>
+      </p:bgPr>
+    </p:bg>
     <p:spTree>
       <p:nvGrpSpPr>
         <p:cNvPr id="1" name=""/>
@@ -4609,46 +4532,56 @@
           <a:chExt cx="0" cy="0"/>
         </a:xfrm>
       </p:grpSpPr>
-      <p:pic>
-        <p:nvPicPr>
-          <p:cNvPr id="5" name="Picture 4">
-            <a:extLst>
-              <a:ext uri="{FF2B5EF4-FFF2-40B4-BE49-F238E27FC236}">
-                <a16:creationId xmlns:a16="http://schemas.microsoft.com/office/drawing/2014/main" id="{8DB4F22A-CC6F-4089-B7E3-BBE4B810E2A3}"/>
-              </a:ext>
-            </a:extLst>
-          </p:cNvPr>
-          <p:cNvPicPr>
-            <a:picLocks noChangeAspect="1"/>
-          </p:cNvPicPr>
-          <p:nvPr/>
-        </p:nvPicPr>
-        <p:blipFill>
-          <a:blip r:embed="rId2">
-            <a:extLst>
-              <a:ext uri="{28A0092B-C50C-407E-A947-70E740481C1C}">
-                <a14:useLocalDpi xmlns:a14="http://schemas.microsoft.com/office/drawing/2010/main" val="0"/>
-              </a:ext>
-            </a:extLst>
-          </a:blip>
-          <a:stretch>
-            <a:fillRect/>
-          </a:stretch>
-        </p:blipFill>
+      <p:sp>
+        <p:nvSpPr>
+          <p:cNvPr id="5" name="Text Placeholder 4">
+            <a:extLst>
+              <a:ext uri="{FF2B5EF4-FFF2-40B4-BE49-F238E27FC236}">
+                <a16:creationId xmlns:a16="http://schemas.microsoft.com/office/drawing/2014/main" id="{96A40335-4390-4725-B925-4071B82192D7}"/>
+              </a:ext>
+            </a:extLst>
+          </p:cNvPr>
+          <p:cNvSpPr>
+            <a:spLocks noGrp="1"/>
+          </p:cNvSpPr>
+          <p:nvPr>
+            <p:ph type="body" idx="1"/>
+          </p:nvPr>
+        </p:nvSpPr>
         <p:spPr>
           <a:xfrm>
-            <a:off x="102870" y="125730"/>
-            <a:ext cx="11758784" cy="6572250"/>
+            <a:off x="397510" y="1160463"/>
+            <a:ext cx="10515600" cy="3148647"/>
           </a:xfrm>
-          <a:prstGeom prst="rect">
-            <a:avLst/>
-          </a:prstGeom>
         </p:spPr>
-      </p:pic>
+        <p:txBody>
+          <a:bodyPr>
+            <a:normAutofit/>
+          </a:bodyPr>
+          <a:lstStyle/>
+          <a:p>
+            <a:r>
+              <a:rPr lang="en-US" sz="3200" dirty="0">
+                <a:solidFill>
+                  <a:srgbClr val="FFFF00"/>
+                </a:solidFill>
+                <a:latin typeface="Comic Sans MS" panose="030F0702030302020204" pitchFamily="66" charset="0"/>
+              </a:rPr>
+              <a:t>See Y’LL IN COMPUTER SYSTEMS PROJECT </a:t>
+            </a:r>
+            <a:endParaRPr lang="en-GB" sz="3200" dirty="0">
+              <a:solidFill>
+                <a:srgbClr val="FFFF00"/>
+              </a:solidFill>
+              <a:latin typeface="Comic Sans MS" panose="030F0702030302020204" pitchFamily="66" charset="0"/>
+            </a:endParaRPr>
+          </a:p>
+        </p:txBody>
+      </p:sp>
     </p:spTree>
     <p:extLst>
       <p:ext uri="{BB962C8B-B14F-4D97-AF65-F5344CB8AC3E}">
-        <p14:creationId xmlns:p14="http://schemas.microsoft.com/office/powerpoint/2010/main" val="335641556"/>
+        <p14:creationId xmlns:p14="http://schemas.microsoft.com/office/powerpoint/2010/main" val="3885939475"/>
       </p:ext>
     </p:extLst>
   </p:cSld>
